--- a/P++.pptx
+++ b/P++.pptx
@@ -8,14 +8,15 @@
     <p:sldId id="256" r:id="rId2"/>
     <p:sldId id="257" r:id="rId3"/>
     <p:sldId id="264" r:id="rId4"/>
-    <p:sldId id="258" r:id="rId5"/>
-    <p:sldId id="259" r:id="rId6"/>
-    <p:sldId id="260" r:id="rId7"/>
-    <p:sldId id="261" r:id="rId8"/>
-    <p:sldId id="263" r:id="rId9"/>
-    <p:sldId id="265" r:id="rId10"/>
-    <p:sldId id="266" r:id="rId11"/>
-    <p:sldId id="262" r:id="rId12"/>
+    <p:sldId id="267" r:id="rId5"/>
+    <p:sldId id="258" r:id="rId6"/>
+    <p:sldId id="259" r:id="rId7"/>
+    <p:sldId id="260" r:id="rId8"/>
+    <p:sldId id="261" r:id="rId9"/>
+    <p:sldId id="263" r:id="rId10"/>
+    <p:sldId id="265" r:id="rId11"/>
+    <p:sldId id="266" r:id="rId12"/>
+    <p:sldId id="262" r:id="rId13"/>
   </p:sldIdLst>
   <p:sldSz cx="12192000" cy="6858000"/>
   <p:notesSz cx="6858000" cy="9144000"/>
@@ -114,6 +115,11 @@
       </a:defRPr>
     </a:lvl9pPr>
   </p:defaultTextStyle>
+  <p:extLst>
+    <p:ext uri="{EFAFB233-063F-42B5-8137-9DF3F51BA10A}">
+      <p15:sldGuideLst xmlns:p15="http://schemas.microsoft.com/office/powerpoint/2012/main"/>
+    </p:ext>
+  </p:extLst>
 </p:presentation>
 </file>
 
@@ -3921,6 +3927,192 @@
           <p:cNvPr id="2" name="Title 1">
             <a:extLst>
               <a:ext uri="{FF2B5EF4-FFF2-40B4-BE49-F238E27FC236}">
+                <a16:creationId xmlns:a16="http://schemas.microsoft.com/office/drawing/2014/main" id="{07ED35C5-FACF-BE04-80E6-4C1B06FAB2D5}"/>
+              </a:ext>
+            </a:extLst>
+          </p:cNvPr>
+          <p:cNvSpPr>
+            <a:spLocks noGrp="1"/>
+          </p:cNvSpPr>
+          <p:nvPr>
+            <p:ph type="title"/>
+          </p:nvPr>
+        </p:nvSpPr>
+        <p:spPr/>
+        <p:txBody>
+          <a:bodyPr/>
+          <a:lstStyle/>
+          <a:p>
+            <a:r>
+              <a:rPr lang="en-IN" dirty="0"/>
+              <a:t>Grammar</a:t>
+            </a:r>
+          </a:p>
+        </p:txBody>
+      </p:sp>
+      <p:sp>
+        <p:nvSpPr>
+          <p:cNvPr id="3" name="Content Placeholder 2">
+            <a:extLst>
+              <a:ext uri="{FF2B5EF4-FFF2-40B4-BE49-F238E27FC236}">
+                <a16:creationId xmlns:a16="http://schemas.microsoft.com/office/drawing/2014/main" id="{3411C639-8D1C-7703-03AF-DC2661B7110F}"/>
+              </a:ext>
+            </a:extLst>
+          </p:cNvPr>
+          <p:cNvSpPr>
+            <a:spLocks noGrp="1"/>
+          </p:cNvSpPr>
+          <p:nvPr>
+            <p:ph idx="1"/>
+          </p:nvPr>
+        </p:nvSpPr>
+        <p:spPr/>
+        <p:txBody>
+          <a:bodyPr>
+            <a:normAutofit/>
+          </a:bodyPr>
+          <a:lstStyle/>
+          <a:p>
+            <a:pPr>
+              <a:lnSpc>
+                <a:spcPct val="100000"/>
+              </a:lnSpc>
+            </a:pPr>
+            <a:r>
+              <a:rPr lang="en-IN" dirty="0"/>
+              <a:t>selection-statement = if-statement | switch-statement</a:t>
+            </a:r>
+          </a:p>
+          <a:p>
+            <a:pPr>
+              <a:lnSpc>
+                <a:spcPct val="100000"/>
+              </a:lnSpc>
+            </a:pPr>
+            <a:r>
+              <a:rPr lang="en-IN" dirty="0"/>
+              <a:t>iteration-statement = while-loop | do-while-loop | for-loop</a:t>
+            </a:r>
+          </a:p>
+          <a:p>
+            <a:pPr>
+              <a:lnSpc>
+                <a:spcPct val="100000"/>
+              </a:lnSpc>
+            </a:pPr>
+            <a:r>
+              <a:rPr lang="en-IN" dirty="0"/>
+              <a:t>jump-statement = "break" | "continue" | "return" [expression] | "</a:t>
+            </a:r>
+            <a:r>
+              <a:rPr lang="en-IN" dirty="0" err="1"/>
+              <a:t>goto</a:t>
+            </a:r>
+            <a:r>
+              <a:rPr lang="en-IN" dirty="0"/>
+              <a:t>" label</a:t>
+            </a:r>
+          </a:p>
+          <a:p>
+            <a:pPr>
+              <a:lnSpc>
+                <a:spcPct val="100000"/>
+              </a:lnSpc>
+            </a:pPr>
+            <a:r>
+              <a:rPr lang="en-IN" dirty="0"/>
+              <a:t>expression = assignment-expression | increment-decrement | arithmetic-expression</a:t>
+            </a:r>
+          </a:p>
+          <a:p>
+            <a:pPr>
+              <a:lnSpc>
+                <a:spcPct val="100000"/>
+              </a:lnSpc>
+            </a:pPr>
+            <a:r>
+              <a:rPr lang="en-IN" dirty="0"/>
+              <a:t>            | logical-expression | comparison-expression | member-access | other-expressions</a:t>
+            </a:r>
+          </a:p>
+          <a:p>
+            <a:pPr>
+              <a:lnSpc>
+                <a:spcPct val="100000"/>
+              </a:lnSpc>
+            </a:pPr>
+            <a:r>
+              <a:rPr lang="en-IN" dirty="0"/>
+              <a:t>try-statement = "try" statement "catch" (expression | "(" expression ")" ) statement</a:t>
+            </a:r>
+          </a:p>
+          <a:p>
+            <a:pPr>
+              <a:lnSpc>
+                <a:spcPct val="100000"/>
+              </a:lnSpc>
+            </a:pPr>
+            <a:r>
+              <a:rPr lang="en-IN" dirty="0"/>
+              <a:t>label = identifier ":" | "case" </a:t>
+            </a:r>
+            <a:r>
+              <a:rPr lang="en-IN" dirty="0" err="1"/>
+              <a:t>constexpr</a:t>
+            </a:r>
+            <a:r>
+              <a:rPr lang="en-IN" dirty="0"/>
+              <a:t> ":" | "default" ":"</a:t>
+            </a:r>
+          </a:p>
+          <a:p>
+            <a:pPr>
+              <a:lnSpc>
+                <a:spcPct val="100000"/>
+              </a:lnSpc>
+            </a:pPr>
+            <a:r>
+              <a:rPr lang="en-IN" dirty="0"/>
+              <a:t>type = ["unsigned"] ( "int" | "bool" | "char" | "float" | "double" | identifier) ("*" | "&amp;")*</a:t>
+            </a:r>
+          </a:p>
+        </p:txBody>
+      </p:sp>
+    </p:spTree>
+    <p:extLst>
+      <p:ext uri="{BB962C8B-B14F-4D97-AF65-F5344CB8AC3E}">
+        <p14:creationId xmlns:p14="http://schemas.microsoft.com/office/powerpoint/2010/main" val="478986088"/>
+      </p:ext>
+    </p:extLst>
+  </p:cSld>
+  <p:clrMapOvr>
+    <a:masterClrMapping/>
+  </p:clrMapOvr>
+</p:sld>
+</file>
+
+<file path=ppt/slides/slide11.xml><?xml version="1.0" encoding="utf-8"?>
+<p:sld xmlns:a="http://schemas.openxmlformats.org/drawingml/2006/main" xmlns:r="http://schemas.openxmlformats.org/officeDocument/2006/relationships" xmlns:p="http://schemas.openxmlformats.org/presentationml/2006/main">
+  <p:cSld>
+    <p:spTree>
+      <p:nvGrpSpPr>
+        <p:cNvPr id="1" name=""/>
+        <p:cNvGrpSpPr/>
+        <p:nvPr/>
+      </p:nvGrpSpPr>
+      <p:grpSpPr>
+        <a:xfrm>
+          <a:off x="0" y="0"/>
+          <a:ext cx="0" cy="0"/>
+          <a:chOff x="0" y="0"/>
+          <a:chExt cx="0" cy="0"/>
+        </a:xfrm>
+      </p:grpSpPr>
+      <p:sp>
+        <p:nvSpPr>
+          <p:cNvPr id="2" name="Title 1">
+            <a:extLst>
+              <a:ext uri="{FF2B5EF4-FFF2-40B4-BE49-F238E27FC236}">
                 <a16:creationId xmlns:a16="http://schemas.microsoft.com/office/drawing/2014/main" id="{B7AED821-6D78-0AC7-E546-BE6D9F4C35E0}"/>
               </a:ext>
             </a:extLst>
@@ -3968,32 +4160,32 @@
           <a:lstStyle/>
           <a:p>
             <a:r>
-              <a:rPr lang="en-US" dirty="0"/>
-              <a:t>function-declaration = type identifier ("(" parameters ")" | parameters ) [block-statement | ";"]</a:t>
-            </a:r>
-          </a:p>
-          <a:p>
-            <a:r>
-              <a:rPr lang="en-US" dirty="0"/>
-              <a:t>type =</a:t>
-            </a:r>
-          </a:p>
-          <a:p>
-            <a:r>
-              <a:rPr lang="en-US" dirty="0"/>
+              <a:rPr lang="en-IN" dirty="0"/>
+              <a:t>identifier = letter | identifier letter | identifier digit</a:t>
+            </a:r>
+          </a:p>
+          <a:p>
+            <a:r>
+              <a:rPr lang="en-IN" dirty="0"/>
+              <a:t>function-declaration = type identifier [ "(" parameters ")" | parameters ] [block-statement | ";"]</a:t>
+            </a:r>
+          </a:p>
+          <a:p>
+            <a:r>
+              <a:rPr lang="en-IN" dirty="0"/>
               <a:t>class-declaration = "class" Identifier [":" [access-specifiers] Identifier] class-body</a:t>
             </a:r>
           </a:p>
           <a:p>
             <a:r>
-              <a:rPr lang="en-US" dirty="0"/>
+              <a:rPr lang="en-IN" dirty="0"/>
               <a:t>if-statement = "if" ( expression | "(" expression ")" ) statement [ "else" statement ]</a:t>
             </a:r>
           </a:p>
           <a:p>
             <a:r>
               <a:rPr lang="en-IN" dirty="0"/>
-              <a:t>switch-statement = </a:t>
+              <a:t>switch-statement = "switch" ( expression | "(" expression ")" ) block-statement</a:t>
             </a:r>
           </a:p>
           <a:p>
@@ -4005,13 +4197,13 @@
           <a:p>
             <a:r>
               <a:rPr lang="en-IN" dirty="0"/>
-              <a:t>do-while-loop = "do" statement "while" (expression  | "(" expression ")" )</a:t>
+              <a:t>for-loop = "for" ( "(" (statement | ";" ) expression ";" expression ")" | (statement | ";") expression ";" expression ) statement</a:t>
             </a:r>
           </a:p>
           <a:p>
             <a:r>
               <a:rPr lang="en-IN" dirty="0"/>
-              <a:t>for-loop = "for" ( "(" (statement | ";" ) expression ";" expression ")" | (statement | ";") expression ";" expression ) statement</a:t>
+              <a:t>The complete Grammar is in the Grammar.txt file</a:t>
             </a:r>
           </a:p>
         </p:txBody>
@@ -4029,7 +4221,7 @@
 </p:sld>
 </file>
 
-<file path=ppt/slides/slide11.xml><?xml version="1.0" encoding="utf-8"?>
+<file path=ppt/slides/slide12.xml><?xml version="1.0" encoding="utf-8"?>
 <p:sld xmlns:a="http://schemas.openxmlformats.org/drawingml/2006/main" xmlns:r="http://schemas.openxmlformats.org/officeDocument/2006/relationships" xmlns:p="http://schemas.openxmlformats.org/presentationml/2006/main">
   <p:cSld>
     <p:spTree>
@@ -4283,21 +4475,52 @@
           <a:chExt cx="0" cy="0"/>
         </a:xfrm>
       </p:grpSpPr>
+      <p:sp>
+        <p:nvSpPr>
+          <p:cNvPr id="2" name="Title 1">
+            <a:extLst>
+              <a:ext uri="{FF2B5EF4-FFF2-40B4-BE49-F238E27FC236}">
+                <a16:creationId xmlns:a16="http://schemas.microsoft.com/office/drawing/2014/main" id="{25E5ACD2-A1E2-DE42-327D-1ABC5865971B}"/>
+              </a:ext>
+            </a:extLst>
+          </p:cNvPr>
+          <p:cNvSpPr>
+            <a:spLocks noGrp="1"/>
+          </p:cNvSpPr>
+          <p:nvPr>
+            <p:ph type="title" idx="4294967295"/>
+          </p:nvPr>
+        </p:nvSpPr>
+        <p:spPr>
+          <a:xfrm>
+            <a:off x="549348" y="0"/>
+            <a:ext cx="10058400" cy="1450975"/>
+          </a:xfrm>
+        </p:spPr>
+        <p:txBody>
+          <a:bodyPr/>
+          <a:lstStyle/>
+          <a:p>
+            <a:r>
+              <a:rPr lang="en-IN" dirty="0"/>
+              <a:t>Syntax of C++ and Python</a:t>
+            </a:r>
+          </a:p>
+        </p:txBody>
+      </p:sp>
       <p:pic>
         <p:nvPicPr>
-          <p:cNvPr id="27" name="Content Placeholder 26">
+          <p:cNvPr id="4" name="Picture 3">
             <a:extLst>
               <a:ext uri="{FF2B5EF4-FFF2-40B4-BE49-F238E27FC236}">
-                <a16:creationId xmlns:a16="http://schemas.microsoft.com/office/drawing/2014/main" id="{5C69CAEC-FD19-4E45-23E1-297ECE672253}"/>
+                <a16:creationId xmlns:a16="http://schemas.microsoft.com/office/drawing/2014/main" id="{2EFD2EE5-20F6-E286-E47B-449CDEF9171F}"/>
               </a:ext>
             </a:extLst>
           </p:cNvPr>
           <p:cNvPicPr>
-            <a:picLocks noGrp="1" noChangeAspect="1"/>
+            <a:picLocks noChangeAspect="1"/>
           </p:cNvPicPr>
-          <p:nvPr>
-            <p:ph idx="4294967295"/>
-          </p:nvPr>
+          <p:nvPr/>
         </p:nvPicPr>
         <p:blipFill>
           <a:blip r:embed="rId2">
@@ -4313,50 +4536,20 @@
         </p:blipFill>
         <p:spPr>
           <a:xfrm>
-            <a:off x="6433893" y="1864951"/>
-            <a:ext cx="4905375" cy="2312987"/>
+            <a:off x="549348" y="1450975"/>
+            <a:ext cx="5726504" cy="4652113"/>
           </a:xfrm>
+          <a:prstGeom prst="rect">
+            <a:avLst/>
+          </a:prstGeom>
         </p:spPr>
       </p:pic>
-      <p:sp>
-        <p:nvSpPr>
-          <p:cNvPr id="2" name="Title 1">
+      <p:pic>
+        <p:nvPicPr>
+          <p:cNvPr id="6" name="Picture 5">
             <a:extLst>
               <a:ext uri="{FF2B5EF4-FFF2-40B4-BE49-F238E27FC236}">
-                <a16:creationId xmlns:a16="http://schemas.microsoft.com/office/drawing/2014/main" id="{25E5ACD2-A1E2-DE42-327D-1ABC5865971B}"/>
-              </a:ext>
-            </a:extLst>
-          </p:cNvPr>
-          <p:cNvSpPr>
-            <a:spLocks noGrp="1"/>
-          </p:cNvSpPr>
-          <p:nvPr>
-            <p:ph type="title" idx="4294967295"/>
-          </p:nvPr>
-        </p:nvSpPr>
-        <p:spPr>
-          <a:xfrm>
-            <a:off x="549348" y="0"/>
-            <a:ext cx="10058400" cy="1450975"/>
-          </a:xfrm>
-        </p:spPr>
-        <p:txBody>
-          <a:bodyPr/>
-          <a:lstStyle/>
-          <a:p>
-            <a:r>
-              <a:rPr lang="en-IN" dirty="0"/>
-              <a:t>Syntax of C++ and Python</a:t>
-            </a:r>
-          </a:p>
-        </p:txBody>
-      </p:sp>
-      <p:pic>
-        <p:nvPicPr>
-          <p:cNvPr id="29" name="Picture 28">
-            <a:extLst>
-              <a:ext uri="{FF2B5EF4-FFF2-40B4-BE49-F238E27FC236}">
-                <a16:creationId xmlns:a16="http://schemas.microsoft.com/office/drawing/2014/main" id="{7D72472D-1F9B-0867-3A3D-ECA1EB338697}"/>
+                <a16:creationId xmlns:a16="http://schemas.microsoft.com/office/drawing/2014/main" id="{F965354E-E300-DE9F-56F5-3791908546F3}"/>
               </a:ext>
             </a:extLst>
           </p:cNvPr>
@@ -4379,8 +4572,8 @@
         </p:blipFill>
         <p:spPr>
           <a:xfrm>
-            <a:off x="852731" y="1534818"/>
-            <a:ext cx="5063609" cy="4695861"/>
+            <a:off x="6170624" y="1450975"/>
+            <a:ext cx="4965263" cy="2791416"/>
           </a:xfrm>
           <a:prstGeom prst="rect">
             <a:avLst/>
@@ -4422,6 +4615,100 @@
           <p:cNvPr id="2" name="Title 1">
             <a:extLst>
               <a:ext uri="{FF2B5EF4-FFF2-40B4-BE49-F238E27FC236}">
+                <a16:creationId xmlns:a16="http://schemas.microsoft.com/office/drawing/2014/main" id="{B6C81A29-4159-F91D-6C6E-BC3E76171482}"/>
+              </a:ext>
+            </a:extLst>
+          </p:cNvPr>
+          <p:cNvSpPr>
+            <a:spLocks noGrp="1"/>
+          </p:cNvSpPr>
+          <p:nvPr>
+            <p:ph type="title"/>
+          </p:nvPr>
+        </p:nvSpPr>
+        <p:spPr/>
+        <p:txBody>
+          <a:bodyPr/>
+          <a:lstStyle/>
+          <a:p>
+            <a:r>
+              <a:rPr lang="en-IN" dirty="0"/>
+              <a:t>How our Implementation Looks</a:t>
+            </a:r>
+          </a:p>
+        </p:txBody>
+      </p:sp>
+      <p:pic>
+        <p:nvPicPr>
+          <p:cNvPr id="4" name="Picture 3">
+            <a:extLst>
+              <a:ext uri="{FF2B5EF4-FFF2-40B4-BE49-F238E27FC236}">
+                <a16:creationId xmlns:a16="http://schemas.microsoft.com/office/drawing/2014/main" id="{9A9B150F-08B0-8DE8-ECDD-8C6701D29905}"/>
+              </a:ext>
+            </a:extLst>
+          </p:cNvPr>
+          <p:cNvPicPr>
+            <a:picLocks noChangeAspect="1"/>
+          </p:cNvPicPr>
+          <p:nvPr/>
+        </p:nvPicPr>
+        <p:blipFill>
+          <a:blip r:embed="rId2">
+            <a:extLst>
+              <a:ext uri="{28A0092B-C50C-407E-A947-70E740481C1C}">
+                <a14:useLocalDpi xmlns:a14="http://schemas.microsoft.com/office/drawing/2010/main" val="0"/>
+              </a:ext>
+            </a:extLst>
+          </a:blip>
+          <a:stretch>
+            <a:fillRect/>
+          </a:stretch>
+        </p:blipFill>
+        <p:spPr>
+          <a:xfrm>
+            <a:off x="1097280" y="1811788"/>
+            <a:ext cx="6163535" cy="4515480"/>
+          </a:xfrm>
+          <a:prstGeom prst="rect">
+            <a:avLst/>
+          </a:prstGeom>
+        </p:spPr>
+      </p:pic>
+    </p:spTree>
+    <p:extLst>
+      <p:ext uri="{BB962C8B-B14F-4D97-AF65-F5344CB8AC3E}">
+        <p14:creationId xmlns:p14="http://schemas.microsoft.com/office/powerpoint/2010/main" val="3520330742"/>
+      </p:ext>
+    </p:extLst>
+  </p:cSld>
+  <p:clrMapOvr>
+    <a:masterClrMapping/>
+  </p:clrMapOvr>
+</p:sld>
+</file>
+
+<file path=ppt/slides/slide5.xml><?xml version="1.0" encoding="utf-8"?>
+<p:sld xmlns:a="http://schemas.openxmlformats.org/drawingml/2006/main" xmlns:r="http://schemas.openxmlformats.org/officeDocument/2006/relationships" xmlns:p="http://schemas.openxmlformats.org/presentationml/2006/main">
+  <p:cSld>
+    <p:spTree>
+      <p:nvGrpSpPr>
+        <p:cNvPr id="1" name=""/>
+        <p:cNvGrpSpPr/>
+        <p:nvPr/>
+      </p:nvGrpSpPr>
+      <p:grpSpPr>
+        <a:xfrm>
+          <a:off x="0" y="0"/>
+          <a:ext cx="0" cy="0"/>
+          <a:chOff x="0" y="0"/>
+          <a:chExt cx="0" cy="0"/>
+        </a:xfrm>
+      </p:grpSpPr>
+      <p:sp>
+        <p:nvSpPr>
+          <p:cNvPr id="2" name="Title 1">
+            <a:extLst>
+              <a:ext uri="{FF2B5EF4-FFF2-40B4-BE49-F238E27FC236}">
                 <a16:creationId xmlns:a16="http://schemas.microsoft.com/office/drawing/2014/main" id="{A2CB785A-327F-31D4-A8B7-3286669B66E6}"/>
               </a:ext>
             </a:extLst>
@@ -4561,7 +4848,7 @@
 </p:sld>
 </file>
 
-<file path=ppt/slides/slide5.xml><?xml version="1.0" encoding="utf-8"?>
+<file path=ppt/slides/slide6.xml><?xml version="1.0" encoding="utf-8"?>
 <p:sld xmlns:a="http://schemas.openxmlformats.org/drawingml/2006/main" xmlns:r="http://schemas.openxmlformats.org/officeDocument/2006/relationships" xmlns:p="http://schemas.openxmlformats.org/presentationml/2006/main">
   <p:cSld>
     <p:spTree>
@@ -5324,148 +5611,6 @@
 </p:sld>
 </file>
 
-<file path=ppt/slides/slide6.xml><?xml version="1.0" encoding="utf-8"?>
-<p:sld xmlns:a="http://schemas.openxmlformats.org/drawingml/2006/main" xmlns:r="http://schemas.openxmlformats.org/officeDocument/2006/relationships" xmlns:p="http://schemas.openxmlformats.org/presentationml/2006/main">
-  <p:cSld>
-    <p:spTree>
-      <p:nvGrpSpPr>
-        <p:cNvPr id="1" name=""/>
-        <p:cNvGrpSpPr/>
-        <p:nvPr/>
-      </p:nvGrpSpPr>
-      <p:grpSpPr>
-        <a:xfrm>
-          <a:off x="0" y="0"/>
-          <a:ext cx="0" cy="0"/>
-          <a:chOff x="0" y="0"/>
-          <a:chExt cx="0" cy="0"/>
-        </a:xfrm>
-      </p:grpSpPr>
-      <p:sp>
-        <p:nvSpPr>
-          <p:cNvPr id="2" name="Title 1">
-            <a:extLst>
-              <a:ext uri="{FF2B5EF4-FFF2-40B4-BE49-F238E27FC236}">
-                <a16:creationId xmlns:a16="http://schemas.microsoft.com/office/drawing/2014/main" id="{603E59C5-5449-E2F3-836D-13626B2F9887}"/>
-              </a:ext>
-            </a:extLst>
-          </p:cNvPr>
-          <p:cNvSpPr>
-            <a:spLocks noGrp="1"/>
-          </p:cNvSpPr>
-          <p:nvPr>
-            <p:ph type="title"/>
-          </p:nvPr>
-        </p:nvSpPr>
-        <p:spPr/>
-        <p:txBody>
-          <a:bodyPr/>
-          <a:lstStyle/>
-          <a:p>
-            <a:r>
-              <a:rPr lang="en-IN" dirty="0"/>
-              <a:t>Examples</a:t>
-            </a:r>
-          </a:p>
-        </p:txBody>
-      </p:sp>
-      <p:sp>
-        <p:nvSpPr>
-          <p:cNvPr id="3" name="Content Placeholder 2">
-            <a:extLst>
-              <a:ext uri="{FF2B5EF4-FFF2-40B4-BE49-F238E27FC236}">
-                <a16:creationId xmlns:a16="http://schemas.microsoft.com/office/drawing/2014/main" id="{7BC2A2F0-A0EA-5EC6-84FF-3D9AC84F942C}"/>
-              </a:ext>
-            </a:extLst>
-          </p:cNvPr>
-          <p:cNvSpPr>
-            <a:spLocks noGrp="1"/>
-          </p:cNvSpPr>
-          <p:nvPr>
-            <p:ph idx="1"/>
-          </p:nvPr>
-        </p:nvSpPr>
-        <p:spPr/>
-        <p:txBody>
-          <a:bodyPr/>
-          <a:lstStyle/>
-          <a:p>
-            <a:pPr>
-              <a:lnSpc>
-                <a:spcPct val="150000"/>
-              </a:lnSpc>
-            </a:pPr>
-            <a:r>
-              <a:rPr lang="en-IN" dirty="0"/>
-              <a:t>Syntax for Format Strings in P++ </a:t>
-            </a:r>
-          </a:p>
-          <a:p>
-            <a:pPr>
-              <a:lnSpc>
-                <a:spcPct val="150000"/>
-              </a:lnSpc>
-            </a:pPr>
-            <a:r>
-              <a:rPr lang="en-IN" dirty="0"/>
-              <a:t>print( f” Hello { var }”)</a:t>
-            </a:r>
-          </a:p>
-          <a:p>
-            <a:pPr>
-              <a:lnSpc>
-                <a:spcPct val="150000"/>
-              </a:lnSpc>
-            </a:pPr>
-            <a:r>
-              <a:rPr lang="en-IN" dirty="0"/>
-              <a:t>The above statement gets converted to </a:t>
-            </a:r>
-          </a:p>
-          <a:p>
-            <a:pPr>
-              <a:lnSpc>
-                <a:spcPct val="150000"/>
-              </a:lnSpc>
-            </a:pPr>
-            <a:r>
-              <a:rPr lang="en-IN" dirty="0"/>
-              <a:t>std::string name = “Hi” + var + “\n”;</a:t>
-            </a:r>
-          </a:p>
-          <a:p>
-            <a:pPr>
-              <a:lnSpc>
-                <a:spcPct val="150000"/>
-              </a:lnSpc>
-            </a:pPr>
-            <a:r>
-              <a:rPr lang="en-IN" dirty="0" err="1"/>
-              <a:t>cout</a:t>
-            </a:r>
-            <a:r>
-              <a:rPr lang="en-IN" dirty="0"/>
-              <a:t> &lt;&lt; name;</a:t>
-            </a:r>
-          </a:p>
-          <a:p>
-            <a:endParaRPr lang="en-IN" dirty="0"/>
-          </a:p>
-        </p:txBody>
-      </p:sp>
-    </p:spTree>
-    <p:extLst>
-      <p:ext uri="{BB962C8B-B14F-4D97-AF65-F5344CB8AC3E}">
-        <p14:creationId xmlns:p14="http://schemas.microsoft.com/office/powerpoint/2010/main" val="2721837159"/>
-      </p:ext>
-    </p:extLst>
-  </p:cSld>
-  <p:clrMapOvr>
-    <a:masterClrMapping/>
-  </p:clrMapOvr>
-</p:sld>
-</file>
-
 <file path=ppt/slides/slide7.xml><?xml version="1.0" encoding="utf-8"?>
 <p:sld xmlns:a="http://schemas.openxmlformats.org/drawingml/2006/main" xmlns:r="http://schemas.openxmlformats.org/officeDocument/2006/relationships" xmlns:p="http://schemas.openxmlformats.org/presentationml/2006/main">
   <p:cSld>
@@ -5488,7 +5633,7 @@
           <p:cNvPr id="2" name="Title 1">
             <a:extLst>
               <a:ext uri="{FF2B5EF4-FFF2-40B4-BE49-F238E27FC236}">
-                <a16:creationId xmlns:a16="http://schemas.microsoft.com/office/drawing/2014/main" id="{CFC5BA7B-D73E-A5DB-59DD-C41B7E568A21}"/>
+                <a16:creationId xmlns:a16="http://schemas.microsoft.com/office/drawing/2014/main" id="{603E59C5-5449-E2F3-836D-13626B2F9887}"/>
               </a:ext>
             </a:extLst>
           </p:cNvPr>
@@ -5516,7 +5661,7 @@
           <p:cNvPr id="3" name="Content Placeholder 2">
             <a:extLst>
               <a:ext uri="{FF2B5EF4-FFF2-40B4-BE49-F238E27FC236}">
-                <a16:creationId xmlns:a16="http://schemas.microsoft.com/office/drawing/2014/main" id="{B9AA5DA6-626C-8662-19BB-E20A4AA496C8}"/>
+                <a16:creationId xmlns:a16="http://schemas.microsoft.com/office/drawing/2014/main" id="{7BC2A2F0-A0EA-5EC6-84FF-3D9AC84F942C}"/>
               </a:ext>
             </a:extLst>
           </p:cNvPr>
@@ -5532,54 +5677,63 @@
           <a:bodyPr/>
           <a:lstStyle/>
           <a:p>
+            <a:pPr>
+              <a:lnSpc>
+                <a:spcPct val="150000"/>
+              </a:lnSpc>
+            </a:pPr>
             <a:r>
               <a:rPr lang="en-IN" dirty="0"/>
-              <a:t>Infix Notation</a:t>
-            </a:r>
-          </a:p>
-          <a:p>
-            <a:r>
-              <a:rPr lang="en-US" sz="1800" dirty="0" err="1">
-                <a:effectLst/>
-                <a:latin typeface="Calibri" panose="020F0502020204030204" pitchFamily="34" charset="0"/>
-                <a:ea typeface="Calibri" panose="020F0502020204030204" pitchFamily="34" charset="0"/>
-                <a:cs typeface="Times New Roman" panose="02020603050405020304" pitchFamily="18" charset="0"/>
-              </a:rPr>
-              <a:t>isIn</a:t>
-            </a:r>
-            <a:r>
-              <a:rPr lang="en-US" sz="1800" dirty="0">
-                <a:effectLst/>
-                <a:latin typeface="Calibri" panose="020F0502020204030204" pitchFamily="34" charset="0"/>
-                <a:ea typeface="Calibri" panose="020F0502020204030204" pitchFamily="34" charset="0"/>
-                <a:cs typeface="Times New Roman" panose="02020603050405020304" pitchFamily="18" charset="0"/>
-              </a:rPr>
-              <a:t>(a, b) = a </a:t>
-            </a:r>
-            <a:r>
-              <a:rPr lang="en-US" sz="1800" dirty="0" err="1">
-                <a:effectLst/>
-                <a:latin typeface="Calibri" panose="020F0502020204030204" pitchFamily="34" charset="0"/>
-                <a:ea typeface="Calibri" panose="020F0502020204030204" pitchFamily="34" charset="0"/>
-                <a:cs typeface="Times New Roman" panose="02020603050405020304" pitchFamily="18" charset="0"/>
-              </a:rPr>
-              <a:t>isIn</a:t>
-            </a:r>
-            <a:r>
-              <a:rPr lang="en-US" sz="1800" dirty="0">
-                <a:effectLst/>
-                <a:latin typeface="Calibri" panose="020F0502020204030204" pitchFamily="34" charset="0"/>
-                <a:ea typeface="Calibri" panose="020F0502020204030204" pitchFamily="34" charset="0"/>
-                <a:cs typeface="Times New Roman" panose="02020603050405020304" pitchFamily="18" charset="0"/>
-              </a:rPr>
-              <a:t> b</a:t>
-            </a:r>
-            <a:endParaRPr lang="en-IN" sz="1800" dirty="0">
-              <a:effectLst/>
-              <a:latin typeface="Calibri" panose="020F0502020204030204" pitchFamily="34" charset="0"/>
-              <a:ea typeface="Calibri" panose="020F0502020204030204" pitchFamily="34" charset="0"/>
-              <a:cs typeface="Times New Roman" panose="02020603050405020304" pitchFamily="18" charset="0"/>
-            </a:endParaRPr>
+              <a:t>Syntax for Format Strings in P++ </a:t>
+            </a:r>
+          </a:p>
+          <a:p>
+            <a:pPr>
+              <a:lnSpc>
+                <a:spcPct val="150000"/>
+              </a:lnSpc>
+            </a:pPr>
+            <a:r>
+              <a:rPr lang="en-IN" dirty="0"/>
+              <a:t>print( f” Hello { var }”)</a:t>
+            </a:r>
+          </a:p>
+          <a:p>
+            <a:pPr>
+              <a:lnSpc>
+                <a:spcPct val="150000"/>
+              </a:lnSpc>
+            </a:pPr>
+            <a:r>
+              <a:rPr lang="en-IN" dirty="0"/>
+              <a:t>The above statement gets converted to </a:t>
+            </a:r>
+          </a:p>
+          <a:p>
+            <a:pPr>
+              <a:lnSpc>
+                <a:spcPct val="150000"/>
+              </a:lnSpc>
+            </a:pPr>
+            <a:r>
+              <a:rPr lang="en-IN" dirty="0"/>
+              <a:t>std::string name = “Hello” + var + “\n”;</a:t>
+            </a:r>
+          </a:p>
+          <a:p>
+            <a:pPr>
+              <a:lnSpc>
+                <a:spcPct val="150000"/>
+              </a:lnSpc>
+            </a:pPr>
+            <a:r>
+              <a:rPr lang="en-IN" dirty="0" err="1"/>
+              <a:t>cout</a:t>
+            </a:r>
+            <a:r>
+              <a:rPr lang="en-IN" dirty="0"/>
+              <a:t> &lt;&lt; name;</a:t>
+            </a:r>
           </a:p>
           <a:p>
             <a:endParaRPr lang="en-IN" dirty="0"/>
@@ -5589,7 +5743,7 @@
     </p:spTree>
     <p:extLst>
       <p:ext uri="{BB962C8B-B14F-4D97-AF65-F5344CB8AC3E}">
-        <p14:creationId xmlns:p14="http://schemas.microsoft.com/office/powerpoint/2010/main" val="3978178523"/>
+        <p14:creationId xmlns:p14="http://schemas.microsoft.com/office/powerpoint/2010/main" val="2721837159"/>
       </p:ext>
     </p:extLst>
   </p:cSld>
@@ -5621,7 +5775,7 @@
           <p:cNvPr id="2" name="Title 1">
             <a:extLst>
               <a:ext uri="{FF2B5EF4-FFF2-40B4-BE49-F238E27FC236}">
-                <a16:creationId xmlns:a16="http://schemas.microsoft.com/office/drawing/2014/main" id="{ADB7A86E-013E-67AB-A24B-25A79C4F2751}"/>
+                <a16:creationId xmlns:a16="http://schemas.microsoft.com/office/drawing/2014/main" id="{CFC5BA7B-D73E-A5DB-59DD-C41B7E568A21}"/>
               </a:ext>
             </a:extLst>
           </p:cNvPr>
@@ -5639,7 +5793,7 @@
           <a:p>
             <a:r>
               <a:rPr lang="en-IN" dirty="0"/>
-              <a:t>Grammar for the Language</a:t>
+              <a:t>Examples</a:t>
             </a:r>
           </a:p>
         </p:txBody>
@@ -5649,7 +5803,7 @@
           <p:cNvPr id="3" name="Content Placeholder 2">
             <a:extLst>
               <a:ext uri="{FF2B5EF4-FFF2-40B4-BE49-F238E27FC236}">
-                <a16:creationId xmlns:a16="http://schemas.microsoft.com/office/drawing/2014/main" id="{42F542A5-3756-06C3-C773-61B70303E9FB}"/>
+                <a16:creationId xmlns:a16="http://schemas.microsoft.com/office/drawing/2014/main" id="{B9AA5DA6-626C-8662-19BB-E20A4AA496C8}"/>
               </a:ext>
             </a:extLst>
           </p:cNvPr>
@@ -5660,73 +5814,67 @@
             <p:ph idx="1"/>
           </p:nvPr>
         </p:nvSpPr>
-        <p:spPr>
-          <a:xfrm>
-            <a:off x="1097280" y="1813835"/>
-            <a:ext cx="10058400" cy="4023360"/>
-          </a:xfrm>
-        </p:spPr>
+        <p:spPr/>
         <p:txBody>
           <a:bodyPr/>
           <a:lstStyle/>
           <a:p>
             <a:r>
               <a:rPr lang="en-IN" dirty="0"/>
-              <a:t>program = (statement)*</a:t>
-            </a:r>
-          </a:p>
-          <a:p>
-            <a:r>
-              <a:rPr lang="en-IN" dirty="0"/>
-              <a:t>statement = (labeled-statement | block-statement | declaration-statement </a:t>
-            </a:r>
-          </a:p>
-          <a:p>
-            <a:r>
-              <a:rPr lang="en-IN" dirty="0"/>
-              <a:t>            | selection-statement | iteration-statement | jump-statement |</a:t>
-            </a:r>
-          </a:p>
-          <a:p>
-            <a:r>
-              <a:rPr lang="en-IN" dirty="0"/>
-              <a:t>            | expression | try-statement) [";"]</a:t>
-            </a:r>
-          </a:p>
-          <a:p>
-            <a:r>
-              <a:rPr lang="en-US" dirty="0"/>
-              <a:t>labeled-statement = label statement</a:t>
-            </a:r>
-          </a:p>
-          <a:p>
-            <a:r>
-              <a:rPr lang="en-US" dirty="0"/>
-              <a:t>block-statement = ("\t" (statement)*)* | "{" (statement)* "}“</a:t>
-            </a:r>
-          </a:p>
-          <a:p>
-            <a:r>
-              <a:rPr lang="en-US" dirty="0"/>
-              <a:t>declaration-statement = type identifier ["=" expression] [";"] | </a:t>
-            </a:r>
-            <a:r>
-              <a:rPr lang="en-US" dirty="0" err="1"/>
-              <a:t>fuction</a:t>
-            </a:r>
-            <a:r>
-              <a:rPr lang="en-US" dirty="0"/>
-              <a:t>-declaration</a:t>
-            </a:r>
-          </a:p>
-          <a:p>
-            <a:r>
-              <a:rPr lang="en-US" dirty="0"/>
-              <a:t>                        | class-declaration</a:t>
-            </a:r>
-          </a:p>
-          <a:p>
-            <a:endParaRPr lang="en-US" dirty="0"/>
+              <a:t>Infix Notation</a:t>
+            </a:r>
+          </a:p>
+          <a:p>
+            <a:r>
+              <a:rPr lang="en-US" sz="1800" dirty="0" err="1">
+                <a:effectLst/>
+                <a:latin typeface="Calibri" panose="020F0502020204030204" pitchFamily="34" charset="0"/>
+                <a:ea typeface="Calibri" panose="020F0502020204030204" pitchFamily="34" charset="0"/>
+                <a:cs typeface="Times New Roman" panose="02020603050405020304" pitchFamily="18" charset="0"/>
+              </a:rPr>
+              <a:t>isIn</a:t>
+            </a:r>
+            <a:r>
+              <a:rPr lang="en-US" sz="1800" dirty="0">
+                <a:effectLst/>
+                <a:latin typeface="Calibri" panose="020F0502020204030204" pitchFamily="34" charset="0"/>
+                <a:ea typeface="Calibri" panose="020F0502020204030204" pitchFamily="34" charset="0"/>
+                <a:cs typeface="Times New Roman" panose="02020603050405020304" pitchFamily="18" charset="0"/>
+              </a:rPr>
+              <a:t>(a, b) = a </a:t>
+            </a:r>
+            <a:r>
+              <a:rPr lang="en-US" sz="1800" dirty="0">
+                <a:latin typeface="Calibri" panose="020F0502020204030204" pitchFamily="34" charset="0"/>
+                <a:ea typeface="Calibri" panose="020F0502020204030204" pitchFamily="34" charset="0"/>
+                <a:cs typeface="Times New Roman" panose="02020603050405020304" pitchFamily="18" charset="0"/>
+              </a:rPr>
+              <a:t>`</a:t>
+            </a:r>
+            <a:r>
+              <a:rPr lang="en-US" sz="1800" dirty="0" err="1">
+                <a:effectLst/>
+                <a:latin typeface="Calibri" panose="020F0502020204030204" pitchFamily="34" charset="0"/>
+                <a:ea typeface="Calibri" panose="020F0502020204030204" pitchFamily="34" charset="0"/>
+                <a:cs typeface="Times New Roman" panose="02020603050405020304" pitchFamily="18" charset="0"/>
+              </a:rPr>
+              <a:t>isIn</a:t>
+            </a:r>
+            <a:r>
+              <a:rPr lang="en-US" sz="1800" dirty="0">
+                <a:effectLst/>
+                <a:latin typeface="Calibri" panose="020F0502020204030204" pitchFamily="34" charset="0"/>
+                <a:ea typeface="Calibri" panose="020F0502020204030204" pitchFamily="34" charset="0"/>
+                <a:cs typeface="Times New Roman" panose="02020603050405020304" pitchFamily="18" charset="0"/>
+              </a:rPr>
+              <a:t>` b</a:t>
+            </a:r>
+            <a:endParaRPr lang="en-IN" sz="1800" dirty="0">
+              <a:effectLst/>
+              <a:latin typeface="Calibri" panose="020F0502020204030204" pitchFamily="34" charset="0"/>
+              <a:ea typeface="Calibri" panose="020F0502020204030204" pitchFamily="34" charset="0"/>
+              <a:cs typeface="Times New Roman" panose="02020603050405020304" pitchFamily="18" charset="0"/>
+            </a:endParaRPr>
           </a:p>
           <a:p>
             <a:endParaRPr lang="en-IN" dirty="0"/>
@@ -5736,7 +5884,7 @@
     </p:spTree>
     <p:extLst>
       <p:ext uri="{BB962C8B-B14F-4D97-AF65-F5344CB8AC3E}">
-        <p14:creationId xmlns:p14="http://schemas.microsoft.com/office/powerpoint/2010/main" val="643354828"/>
+        <p14:creationId xmlns:p14="http://schemas.microsoft.com/office/powerpoint/2010/main" val="3978178523"/>
       </p:ext>
     </p:extLst>
   </p:cSld>
@@ -5768,7 +5916,7 @@
           <p:cNvPr id="2" name="Title 1">
             <a:extLst>
               <a:ext uri="{FF2B5EF4-FFF2-40B4-BE49-F238E27FC236}">
-                <a16:creationId xmlns:a16="http://schemas.microsoft.com/office/drawing/2014/main" id="{07ED35C5-FACF-BE04-80E6-4C1B06FAB2D5}"/>
+                <a16:creationId xmlns:a16="http://schemas.microsoft.com/office/drawing/2014/main" id="{ADB7A86E-013E-67AB-A24B-25A79C4F2751}"/>
               </a:ext>
             </a:extLst>
           </p:cNvPr>
@@ -5786,7 +5934,7 @@
           <a:p>
             <a:r>
               <a:rPr lang="en-IN" dirty="0"/>
-              <a:t>Grammar</a:t>
+              <a:t>Grammar for the Language</a:t>
             </a:r>
           </a:p>
         </p:txBody>
@@ -5796,7 +5944,7 @@
           <p:cNvPr id="3" name="Content Placeholder 2">
             <a:extLst>
               <a:ext uri="{FF2B5EF4-FFF2-40B4-BE49-F238E27FC236}">
-                <a16:creationId xmlns:a16="http://schemas.microsoft.com/office/drawing/2014/main" id="{3411C639-8D1C-7703-03AF-DC2661B7110F}"/>
+                <a16:creationId xmlns:a16="http://schemas.microsoft.com/office/drawing/2014/main" id="{42F542A5-3756-06C3-C773-61B70303E9FB}"/>
               </a:ext>
             </a:extLst>
           </p:cNvPr>
@@ -5807,137 +5955,66 @@
             <p:ph idx="1"/>
           </p:nvPr>
         </p:nvSpPr>
-        <p:spPr/>
-        <p:txBody>
-          <a:bodyPr/>
-          <a:lstStyle/>
-          <a:p>
-            <a:pPr>
-              <a:lnSpc>
-                <a:spcPct val="100000"/>
-              </a:lnSpc>
-            </a:pPr>
+        <p:spPr>
+          <a:xfrm>
+            <a:off x="1097280" y="1813835"/>
+            <a:ext cx="10058400" cy="4023360"/>
+          </a:xfrm>
+        </p:spPr>
+        <p:txBody>
+          <a:bodyPr>
+            <a:normAutofit/>
+          </a:bodyPr>
+          <a:lstStyle/>
+          <a:p>
             <a:r>
               <a:rPr lang="en-US" dirty="0"/>
-              <a:t>selection-statement = if-statement | switch-statement</a:t>
-            </a:r>
-          </a:p>
-          <a:p>
-            <a:pPr>
-              <a:lnSpc>
-                <a:spcPct val="100000"/>
-              </a:lnSpc>
-            </a:pPr>
+              <a:t>program = (statement)*</a:t>
+            </a:r>
+          </a:p>
+          <a:p>
             <a:r>
               <a:rPr lang="en-US" dirty="0"/>
-              <a:t>iteration-statement = while-loop | do-while-loop | for-loop</a:t>
-            </a:r>
-          </a:p>
-          <a:p>
-            <a:pPr>
-              <a:lnSpc>
-                <a:spcPct val="100000"/>
-              </a:lnSpc>
-            </a:pPr>
-            <a:r>
-              <a:rPr lang="en-IN" dirty="0"/>
-              <a:t>jump-statement = "break" | "continue" | "return" [expression] | "</a:t>
-            </a:r>
-            <a:r>
-              <a:rPr lang="en-IN" dirty="0" err="1"/>
-              <a:t>goto</a:t>
-            </a:r>
-            <a:r>
-              <a:rPr lang="en-IN" dirty="0"/>
-              <a:t>" label</a:t>
-            </a:r>
-          </a:p>
-          <a:p>
-            <a:pPr>
-              <a:lnSpc>
-                <a:spcPct val="100000"/>
-              </a:lnSpc>
-            </a:pPr>
-            <a:r>
-              <a:rPr lang="en-IN" dirty="0"/>
-              <a:t>expression = assignment-expression | increment-decrement | </a:t>
-            </a:r>
-            <a:r>
-              <a:rPr lang="en-IN" dirty="0" err="1"/>
-              <a:t>arithmetric</a:t>
-            </a:r>
-            <a:r>
-              <a:rPr lang="en-IN" dirty="0"/>
-              <a:t>-expression</a:t>
-            </a:r>
-          </a:p>
-          <a:p>
-            <a:pPr>
-              <a:lnSpc>
-                <a:spcPct val="100000"/>
-              </a:lnSpc>
-            </a:pPr>
-            <a:r>
-              <a:rPr lang="en-IN" dirty="0"/>
-              <a:t>            | logical-expression | comparison-expression | member-access | other-expressions</a:t>
-            </a:r>
-          </a:p>
-          <a:p>
-            <a:pPr>
-              <a:lnSpc>
-                <a:spcPct val="100000"/>
-              </a:lnSpc>
-            </a:pPr>
+              <a:t>statement = (labeled-statement | block-statement | declaration-statement </a:t>
+            </a:r>
+          </a:p>
+          <a:p>
             <a:r>
               <a:rPr lang="en-US" dirty="0"/>
-              <a:t>try-statement = "try" statement "catch" (expression | "(" expression ")" ) statement</a:t>
-            </a:r>
-          </a:p>
-          <a:p>
-            <a:pPr>
-              <a:lnSpc>
-                <a:spcPct val="100000"/>
-              </a:lnSpc>
-            </a:pPr>
+              <a:t>            | selection-statement | iteration-statement | jump-statement |</a:t>
+            </a:r>
+          </a:p>
+          <a:p>
             <a:r>
               <a:rPr lang="en-US" dirty="0"/>
-              <a:t>label = identifier ":" | "case" </a:t>
-            </a:r>
-            <a:r>
-              <a:rPr lang="en-US" dirty="0" err="1"/>
-              <a:t>constexpr</a:t>
-            </a:r>
+              <a:t>            | expression | try-statement) [";"]</a:t>
+            </a:r>
+          </a:p>
+          <a:p>
             <a:r>
               <a:rPr lang="en-US" dirty="0"/>
-              <a:t> ":" | "default" ":“</a:t>
-            </a:r>
-          </a:p>
-          <a:p>
-            <a:pPr>
-              <a:lnSpc>
-                <a:spcPct val="100000"/>
-              </a:lnSpc>
-            </a:pPr>
-            <a:r>
-              <a:rPr lang="fr-FR" dirty="0"/>
-              <a:t>identifier = </a:t>
-            </a:r>
-            <a:r>
-              <a:rPr lang="fr-FR" dirty="0" err="1"/>
-              <a:t>letter</a:t>
-            </a:r>
-            <a:r>
-              <a:rPr lang="fr-FR" dirty="0"/>
-              <a:t> | identifier </a:t>
-            </a:r>
-            <a:r>
-              <a:rPr lang="fr-FR" dirty="0" err="1"/>
-              <a:t>letter</a:t>
-            </a:r>
-            <a:r>
-              <a:rPr lang="fr-FR" dirty="0"/>
-              <a:t> | identifier digit</a:t>
-            </a:r>
+              <a:t>labeled-statement = label statement</a:t>
+            </a:r>
+          </a:p>
+          <a:p>
+            <a:r>
+              <a:rPr lang="en-US" dirty="0"/>
+              <a:t>block-statement = ("\t" (statement)*)* | "{" (statement)* "}"</a:t>
+            </a:r>
+          </a:p>
+          <a:p>
+            <a:r>
+              <a:rPr lang="en-US" dirty="0"/>
+              <a:t>declaration-statement = type identifier ["=" expression] [";"] | function-declaration</a:t>
+            </a:r>
+          </a:p>
+          <a:p>
+            <a:r>
+              <a:rPr lang="en-US" dirty="0"/>
+              <a:t>                        | class-declaration</a:t>
+            </a:r>
+          </a:p>
+          <a:p>
             <a:endParaRPr lang="en-IN" dirty="0"/>
           </a:p>
         </p:txBody>
@@ -5945,7 +6022,7 @@
     </p:spTree>
     <p:extLst>
       <p:ext uri="{BB962C8B-B14F-4D97-AF65-F5344CB8AC3E}">
-        <p14:creationId xmlns:p14="http://schemas.microsoft.com/office/powerpoint/2010/main" val="478986088"/>
+        <p14:creationId xmlns:p14="http://schemas.microsoft.com/office/powerpoint/2010/main" val="643354828"/>
       </p:ext>
     </p:extLst>
   </p:cSld>

--- a/P++.pptx
+++ b/P++.pptx
@@ -4295,7 +4295,15 @@
           <a:p>
             <a:r>
               <a:rPr lang="en-IN" dirty="0"/>
-              <a:t>It also contains the complete Grammar of the Language </a:t>
+              <a:t>It also contains the </a:t>
+            </a:r>
+            <a:r>
+              <a:rPr lang="en-IN"/>
+              <a:t>complete  Grammar </a:t>
+            </a:r>
+            <a:r>
+              <a:rPr lang="en-IN" dirty="0"/>
+              <a:t>of the Language </a:t>
             </a:r>
           </a:p>
           <a:p>
@@ -4316,6 +4324,12 @@
             <a:r>
               <a:rPr lang="en-IN" dirty="0"/>
               <a:t>It will create a new file “test.cpp” which can then be compiled in C/C++ compilers </a:t>
+            </a:r>
+          </a:p>
+          <a:p>
+            <a:r>
+              <a:rPr lang="en-IN" dirty="0"/>
+              <a:t>(The Logic for adding Semicolons are not perfect at the moment.)</a:t>
             </a:r>
           </a:p>
         </p:txBody>
@@ -4413,7 +4427,7 @@
           <a:p>
             <a:r>
               <a:rPr lang="en-IN" sz="2200" dirty="0"/>
-              <a:t>Even implement a few functions that are that are not available in statically type languages.</a:t>
+              <a:t>Even implement a few functions that are not available in statically type languages.</a:t>
             </a:r>
           </a:p>
           <a:p>
@@ -4640,10 +4654,10 @@
       </p:sp>
       <p:pic>
         <p:nvPicPr>
-          <p:cNvPr id="4" name="Picture 3">
+          <p:cNvPr id="6" name="Picture 5">
             <a:extLst>
               <a:ext uri="{FF2B5EF4-FFF2-40B4-BE49-F238E27FC236}">
-                <a16:creationId xmlns:a16="http://schemas.microsoft.com/office/drawing/2014/main" id="{9A9B150F-08B0-8DE8-ECDD-8C6701D29905}"/>
+                <a16:creationId xmlns:a16="http://schemas.microsoft.com/office/drawing/2014/main" id="{CBB1B101-AC80-F1F8-5D87-BE02AF2384F4}"/>
               </a:ext>
             </a:extLst>
           </p:cNvPr>
@@ -4666,8 +4680,8 @@
         </p:blipFill>
         <p:spPr>
           <a:xfrm>
-            <a:off x="1097280" y="1811788"/>
-            <a:ext cx="6163535" cy="4515480"/>
+            <a:off x="1097280" y="1960775"/>
+            <a:ext cx="6220693" cy="3829584"/>
           </a:xfrm>
           <a:prstGeom prst="rect">
             <a:avLst/>
@@ -5651,7 +5665,7 @@
           <a:p>
             <a:r>
               <a:rPr lang="en-IN" dirty="0"/>
-              <a:t>Examples</a:t>
+              <a:t>Example of Format Strings </a:t>
             </a:r>
           </a:p>
         </p:txBody>
@@ -5695,7 +5709,7 @@
             </a:pPr>
             <a:r>
               <a:rPr lang="en-IN" dirty="0"/>
-              <a:t>print( f” Hello { var }”)</a:t>
+              <a:t>print  f” Hello { var }”</a:t>
             </a:r>
           </a:p>
           <a:p>
@@ -5793,7 +5807,7 @@
           <a:p>
             <a:r>
               <a:rPr lang="en-IN" dirty="0"/>
-              <a:t>Examples</a:t>
+              <a:t>Example of Infix Notation</a:t>
             </a:r>
           </a:p>
         </p:txBody>
@@ -5836,12 +5850,41 @@
             </a:r>
             <a:r>
               <a:rPr lang="en-US" sz="1800" dirty="0">
+                <a:latin typeface="Calibri" panose="020F0502020204030204" pitchFamily="34" charset="0"/>
+                <a:ea typeface="Calibri" panose="020F0502020204030204" pitchFamily="34" charset="0"/>
+                <a:cs typeface="Times New Roman" panose="02020603050405020304" pitchFamily="18" charset="0"/>
+              </a:rPr>
+              <a:t>  </a:t>
+            </a:r>
+            <a:r>
+              <a:rPr lang="en-US" sz="1800" dirty="0">
                 <a:effectLst/>
                 <a:latin typeface="Calibri" panose="020F0502020204030204" pitchFamily="34" charset="0"/>
                 <a:ea typeface="Calibri" panose="020F0502020204030204" pitchFamily="34" charset="0"/>
                 <a:cs typeface="Times New Roman" panose="02020603050405020304" pitchFamily="18" charset="0"/>
               </a:rPr>
-              <a:t>(a, b) = a </a:t>
+              <a:t>a, b  </a:t>
+            </a:r>
+          </a:p>
+          <a:p>
+            <a:r>
+              <a:rPr lang="en-US" sz="1800" dirty="0">
+                <a:latin typeface="Calibri" panose="020F0502020204030204" pitchFamily="34" charset="0"/>
+                <a:ea typeface="Calibri" panose="020F0502020204030204" pitchFamily="34" charset="0"/>
+                <a:cs typeface="Times New Roman" panose="02020603050405020304" pitchFamily="18" charset="0"/>
+              </a:rPr>
+              <a:t>It can also be written as </a:t>
+            </a:r>
+          </a:p>
+          <a:p>
+            <a:r>
+              <a:rPr lang="en-US" sz="1800" dirty="0">
+                <a:effectLst/>
+                <a:latin typeface="Calibri" panose="020F0502020204030204" pitchFamily="34" charset="0"/>
+                <a:ea typeface="Calibri" panose="020F0502020204030204" pitchFamily="34" charset="0"/>
+                <a:cs typeface="Times New Roman" panose="02020603050405020304" pitchFamily="18" charset="0"/>
+              </a:rPr>
+              <a:t>a  </a:t>
             </a:r>
             <a:r>
               <a:rPr lang="en-US" sz="1800" dirty="0">
@@ -5867,7 +5910,7 @@
                 <a:ea typeface="Calibri" panose="020F0502020204030204" pitchFamily="34" charset="0"/>
                 <a:cs typeface="Times New Roman" panose="02020603050405020304" pitchFamily="18" charset="0"/>
               </a:rPr>
-              <a:t>` b</a:t>
+              <a:t>`  b</a:t>
             </a:r>
             <a:endParaRPr lang="en-IN" sz="1800" dirty="0">
               <a:effectLst/>
@@ -5877,7 +5920,10 @@
             </a:endParaRPr>
           </a:p>
           <a:p>
-            <a:endParaRPr lang="en-IN" dirty="0"/>
+            <a:r>
+              <a:rPr lang="en-IN" dirty="0"/>
+              <a:t>Which are sometimes easier to read</a:t>
+            </a:r>
           </a:p>
         </p:txBody>
       </p:sp>
